--- a/JS/04. String and methods/JS_04.pptx
+++ b/JS/04. String and methods/JS_04.pptx
@@ -334,7 +334,7 @@
           <a:p>
             <a:fld id="{4DE3B8FE-1D2D-49AE-BFC8-FB35E95B8F74}" type="datetimeFigureOut">
               <a:rPr lang="en-US" smtClean="0"/>
-              <a:t>11/15/2024</a:t>
+              <a:t>11/17/2024</a:t>
             </a:fld>
             <a:endParaRPr lang="en-US"/>
           </a:p>
@@ -625,7 +625,7 @@
           <a:p>
             <a:fld id="{4DE3B8FE-1D2D-49AE-BFC8-FB35E95B8F74}" type="datetimeFigureOut">
               <a:rPr lang="en-US" smtClean="0"/>
-              <a:t>11/15/2024</a:t>
+              <a:t>11/17/2024</a:t>
             </a:fld>
             <a:endParaRPr lang="en-US"/>
           </a:p>
@@ -884,7 +884,7 @@
           <a:p>
             <a:fld id="{4DE3B8FE-1D2D-49AE-BFC8-FB35E95B8F74}" type="datetimeFigureOut">
               <a:rPr lang="en-US" smtClean="0"/>
-              <a:t>11/15/2024</a:t>
+              <a:t>11/17/2024</a:t>
             </a:fld>
             <a:endParaRPr lang="en-US"/>
           </a:p>
@@ -1353,7 +1353,7 @@
           <a:p>
             <a:fld id="{4DE3B8FE-1D2D-49AE-BFC8-FB35E95B8F74}" type="datetimeFigureOut">
               <a:rPr lang="en-US" smtClean="0"/>
-              <a:t>11/15/2024</a:t>
+              <a:t>11/17/2024</a:t>
             </a:fld>
             <a:endParaRPr lang="en-US"/>
           </a:p>
@@ -1533,7 +1533,7 @@
           <a:p>
             <a:fld id="{4DE3B8FE-1D2D-49AE-BFC8-FB35E95B8F74}" type="datetimeFigureOut">
               <a:rPr lang="en-US" smtClean="0"/>
-              <a:t>11/15/2024</a:t>
+              <a:t>11/17/2024</a:t>
             </a:fld>
             <a:endParaRPr lang="en-US"/>
           </a:p>
@@ -2109,7 +2109,7 @@
           <a:p>
             <a:fld id="{4DE3B8FE-1D2D-49AE-BFC8-FB35E95B8F74}" type="datetimeFigureOut">
               <a:rPr lang="en-US" smtClean="0"/>
-              <a:t>11/15/2024</a:t>
+              <a:t>11/17/2024</a:t>
             </a:fld>
             <a:endParaRPr lang="en-US"/>
           </a:p>
@@ -2441,7 +2441,7 @@
           <a:p>
             <a:fld id="{4DE3B8FE-1D2D-49AE-BFC8-FB35E95B8F74}" type="datetimeFigureOut">
               <a:rPr lang="en-US" smtClean="0"/>
-              <a:t>11/15/2024</a:t>
+              <a:t>11/17/2024</a:t>
             </a:fld>
             <a:endParaRPr lang="en-US"/>
           </a:p>
@@ -2616,7 +2616,7 @@
           <a:p>
             <a:fld id="{4DE3B8FE-1D2D-49AE-BFC8-FB35E95B8F74}" type="datetimeFigureOut">
               <a:rPr lang="en-US" smtClean="0"/>
-              <a:t>11/15/2024</a:t>
+              <a:t>11/17/2024</a:t>
             </a:fld>
             <a:endParaRPr lang="en-US"/>
           </a:p>
@@ -2796,7 +2796,7 @@
           <a:p>
             <a:fld id="{4DE3B8FE-1D2D-49AE-BFC8-FB35E95B8F74}" type="datetimeFigureOut">
               <a:rPr lang="en-US" smtClean="0"/>
-              <a:t>11/15/2024</a:t>
+              <a:t>11/17/2024</a:t>
             </a:fld>
             <a:endParaRPr lang="en-US"/>
           </a:p>
@@ -2966,7 +2966,7 @@
           <a:p>
             <a:fld id="{4DE3B8FE-1D2D-49AE-BFC8-FB35E95B8F74}" type="datetimeFigureOut">
               <a:rPr lang="en-US" smtClean="0"/>
-              <a:t>11/15/2024</a:t>
+              <a:t>11/17/2024</a:t>
             </a:fld>
             <a:endParaRPr lang="en-US"/>
           </a:p>
@@ -3223,7 +3223,7 @@
           <a:p>
             <a:fld id="{4DE3B8FE-1D2D-49AE-BFC8-FB35E95B8F74}" type="datetimeFigureOut">
               <a:rPr lang="en-US" smtClean="0"/>
-              <a:t>11/15/2024</a:t>
+              <a:t>11/17/2024</a:t>
             </a:fld>
             <a:endParaRPr lang="en-US"/>
           </a:p>
@@ -3515,7 +3515,7 @@
           <a:p>
             <a:fld id="{4DE3B8FE-1D2D-49AE-BFC8-FB35E95B8F74}" type="datetimeFigureOut">
               <a:rPr lang="en-US" smtClean="0"/>
-              <a:t>11/15/2024</a:t>
+              <a:t>11/17/2024</a:t>
             </a:fld>
             <a:endParaRPr lang="en-US"/>
           </a:p>
@@ -3945,7 +3945,7 @@
           <a:p>
             <a:fld id="{4DE3B8FE-1D2D-49AE-BFC8-FB35E95B8F74}" type="datetimeFigureOut">
               <a:rPr lang="en-US" smtClean="0"/>
-              <a:t>11/15/2024</a:t>
+              <a:t>11/17/2024</a:t>
             </a:fld>
             <a:endParaRPr lang="en-US"/>
           </a:p>
@@ -4063,7 +4063,7 @@
           <a:p>
             <a:fld id="{4DE3B8FE-1D2D-49AE-BFC8-FB35E95B8F74}" type="datetimeFigureOut">
               <a:rPr lang="en-US" smtClean="0"/>
-              <a:t>11/15/2024</a:t>
+              <a:t>11/17/2024</a:t>
             </a:fld>
             <a:endParaRPr lang="en-US"/>
           </a:p>
@@ -4158,7 +4158,7 @@
           <a:p>
             <a:fld id="{4DE3B8FE-1D2D-49AE-BFC8-FB35E95B8F74}" type="datetimeFigureOut">
               <a:rPr lang="en-US" smtClean="0"/>
-              <a:t>11/15/2024</a:t>
+              <a:t>11/17/2024</a:t>
             </a:fld>
             <a:endParaRPr lang="en-US"/>
           </a:p>
@@ -4441,7 +4441,7 @@
           <a:p>
             <a:fld id="{4DE3B8FE-1D2D-49AE-BFC8-FB35E95B8F74}" type="datetimeFigureOut">
               <a:rPr lang="en-US" smtClean="0"/>
-              <a:t>11/15/2024</a:t>
+              <a:t>11/17/2024</a:t>
             </a:fld>
             <a:endParaRPr lang="en-US"/>
           </a:p>
@@ -4732,7 +4732,7 @@
           <a:p>
             <a:fld id="{4DE3B8FE-1D2D-49AE-BFC8-FB35E95B8F74}" type="datetimeFigureOut">
               <a:rPr lang="en-US" smtClean="0"/>
-              <a:t>11/15/2024</a:t>
+              <a:t>11/17/2024</a:t>
             </a:fld>
             <a:endParaRPr lang="en-US"/>
           </a:p>
@@ -4963,7 +4963,7 @@
           <a:p>
             <a:fld id="{4DE3B8FE-1D2D-49AE-BFC8-FB35E95B8F74}" type="datetimeFigureOut">
               <a:rPr lang="en-US" smtClean="0"/>
-              <a:t>11/15/2024</a:t>
+              <a:t>11/17/2024</a:t>
             </a:fld>
             <a:endParaRPr lang="en-US"/>
           </a:p>
@@ -6431,10 +6431,10 @@
       </p:sp>
       <p:pic>
         <p:nvPicPr>
-          <p:cNvPr id="6" name="Объект 5">
+          <p:cNvPr id="7" name="Объект 6">
             <a:extLst>
               <a:ext uri="{FF2B5EF4-FFF2-40B4-BE49-F238E27FC236}">
-                <a16:creationId xmlns:a16="http://schemas.microsoft.com/office/drawing/2014/main" id="{006ADC13-CB6C-4927-8685-08C81E93B3D6}"/>
+                <a16:creationId xmlns:a16="http://schemas.microsoft.com/office/drawing/2014/main" id="{D690F334-A928-4C85-9C90-D6E27C7D0F98}"/>
               </a:ext>
             </a:extLst>
           </p:cNvPr>
@@ -6459,8 +6459,8 @@
         </p:blipFill>
         <p:spPr>
           <a:xfrm>
-            <a:off x="376909" y="1347537"/>
-            <a:ext cx="11438182" cy="5213684"/>
+            <a:off x="451868" y="1344227"/>
+            <a:ext cx="11288264" cy="5145349"/>
           </a:xfrm>
         </p:spPr>
       </p:pic>

--- a/JS/04. String and methods/JS_04.pptx
+++ b/JS/04. String and methods/JS_04.pptx
@@ -7,14 +7,14 @@
   <p:sldIdLst>
     <p:sldId id="256" r:id="rId2"/>
     <p:sldId id="258" r:id="rId3"/>
-    <p:sldId id="259" r:id="rId4"/>
-    <p:sldId id="261" r:id="rId5"/>
-    <p:sldId id="262" r:id="rId6"/>
+    <p:sldId id="266" r:id="rId4"/>
+    <p:sldId id="265" r:id="rId5"/>
+    <p:sldId id="264" r:id="rId6"/>
     <p:sldId id="263" r:id="rId7"/>
-    <p:sldId id="260" r:id="rId8"/>
-    <p:sldId id="264" r:id="rId9"/>
-    <p:sldId id="265" r:id="rId10"/>
-    <p:sldId id="266" r:id="rId11"/>
+    <p:sldId id="262" r:id="rId8"/>
+    <p:sldId id="261" r:id="rId9"/>
+    <p:sldId id="260" r:id="rId10"/>
+    <p:sldId id="259" r:id="rId11"/>
   </p:sldIdLst>
   <p:sldSz cx="12192000" cy="6858000"/>
   <p:notesSz cx="6858000" cy="9144000"/>
@@ -334,7 +334,7 @@
           <a:p>
             <a:fld id="{4DE3B8FE-1D2D-49AE-BFC8-FB35E95B8F74}" type="datetimeFigureOut">
               <a:rPr lang="en-US" smtClean="0"/>
-              <a:t>11/17/2024</a:t>
+              <a:t>11/22/2024</a:t>
             </a:fld>
             <a:endParaRPr lang="en-US"/>
           </a:p>
@@ -625,7 +625,7 @@
           <a:p>
             <a:fld id="{4DE3B8FE-1D2D-49AE-BFC8-FB35E95B8F74}" type="datetimeFigureOut">
               <a:rPr lang="en-US" smtClean="0"/>
-              <a:t>11/17/2024</a:t>
+              <a:t>11/22/2024</a:t>
             </a:fld>
             <a:endParaRPr lang="en-US"/>
           </a:p>
@@ -884,7 +884,7 @@
           <a:p>
             <a:fld id="{4DE3B8FE-1D2D-49AE-BFC8-FB35E95B8F74}" type="datetimeFigureOut">
               <a:rPr lang="en-US" smtClean="0"/>
-              <a:t>11/17/2024</a:t>
+              <a:t>11/22/2024</a:t>
             </a:fld>
             <a:endParaRPr lang="en-US"/>
           </a:p>
@@ -1353,7 +1353,7 @@
           <a:p>
             <a:fld id="{4DE3B8FE-1D2D-49AE-BFC8-FB35E95B8F74}" type="datetimeFigureOut">
               <a:rPr lang="en-US" smtClean="0"/>
-              <a:t>11/17/2024</a:t>
+              <a:t>11/22/2024</a:t>
             </a:fld>
             <a:endParaRPr lang="en-US"/>
           </a:p>
@@ -1533,7 +1533,7 @@
           <a:p>
             <a:fld id="{4DE3B8FE-1D2D-49AE-BFC8-FB35E95B8F74}" type="datetimeFigureOut">
               <a:rPr lang="en-US" smtClean="0"/>
-              <a:t>11/17/2024</a:t>
+              <a:t>11/22/2024</a:t>
             </a:fld>
             <a:endParaRPr lang="en-US"/>
           </a:p>
@@ -2109,7 +2109,7 @@
           <a:p>
             <a:fld id="{4DE3B8FE-1D2D-49AE-BFC8-FB35E95B8F74}" type="datetimeFigureOut">
               <a:rPr lang="en-US" smtClean="0"/>
-              <a:t>11/17/2024</a:t>
+              <a:t>11/22/2024</a:t>
             </a:fld>
             <a:endParaRPr lang="en-US"/>
           </a:p>
@@ -2441,7 +2441,7 @@
           <a:p>
             <a:fld id="{4DE3B8FE-1D2D-49AE-BFC8-FB35E95B8F74}" type="datetimeFigureOut">
               <a:rPr lang="en-US" smtClean="0"/>
-              <a:t>11/17/2024</a:t>
+              <a:t>11/22/2024</a:t>
             </a:fld>
             <a:endParaRPr lang="en-US"/>
           </a:p>
@@ -2616,7 +2616,7 @@
           <a:p>
             <a:fld id="{4DE3B8FE-1D2D-49AE-BFC8-FB35E95B8F74}" type="datetimeFigureOut">
               <a:rPr lang="en-US" smtClean="0"/>
-              <a:t>11/17/2024</a:t>
+              <a:t>11/22/2024</a:t>
             </a:fld>
             <a:endParaRPr lang="en-US"/>
           </a:p>
@@ -2796,7 +2796,7 @@
           <a:p>
             <a:fld id="{4DE3B8FE-1D2D-49AE-BFC8-FB35E95B8F74}" type="datetimeFigureOut">
               <a:rPr lang="en-US" smtClean="0"/>
-              <a:t>11/17/2024</a:t>
+              <a:t>11/22/2024</a:t>
             </a:fld>
             <a:endParaRPr lang="en-US"/>
           </a:p>
@@ -2966,7 +2966,7 @@
           <a:p>
             <a:fld id="{4DE3B8FE-1D2D-49AE-BFC8-FB35E95B8F74}" type="datetimeFigureOut">
               <a:rPr lang="en-US" smtClean="0"/>
-              <a:t>11/17/2024</a:t>
+              <a:t>11/22/2024</a:t>
             </a:fld>
             <a:endParaRPr lang="en-US"/>
           </a:p>
@@ -3223,7 +3223,7 @@
           <a:p>
             <a:fld id="{4DE3B8FE-1D2D-49AE-BFC8-FB35E95B8F74}" type="datetimeFigureOut">
               <a:rPr lang="en-US" smtClean="0"/>
-              <a:t>11/17/2024</a:t>
+              <a:t>11/22/2024</a:t>
             </a:fld>
             <a:endParaRPr lang="en-US"/>
           </a:p>
@@ -3515,7 +3515,7 @@
           <a:p>
             <a:fld id="{4DE3B8FE-1D2D-49AE-BFC8-FB35E95B8F74}" type="datetimeFigureOut">
               <a:rPr lang="en-US" smtClean="0"/>
-              <a:t>11/17/2024</a:t>
+              <a:t>11/22/2024</a:t>
             </a:fld>
             <a:endParaRPr lang="en-US"/>
           </a:p>
@@ -3945,7 +3945,7 @@
           <a:p>
             <a:fld id="{4DE3B8FE-1D2D-49AE-BFC8-FB35E95B8F74}" type="datetimeFigureOut">
               <a:rPr lang="en-US" smtClean="0"/>
-              <a:t>11/17/2024</a:t>
+              <a:t>11/22/2024</a:t>
             </a:fld>
             <a:endParaRPr lang="en-US"/>
           </a:p>
@@ -4063,7 +4063,7 @@
           <a:p>
             <a:fld id="{4DE3B8FE-1D2D-49AE-BFC8-FB35E95B8F74}" type="datetimeFigureOut">
               <a:rPr lang="en-US" smtClean="0"/>
-              <a:t>11/17/2024</a:t>
+              <a:t>11/22/2024</a:t>
             </a:fld>
             <a:endParaRPr lang="en-US"/>
           </a:p>
@@ -4158,7 +4158,7 @@
           <a:p>
             <a:fld id="{4DE3B8FE-1D2D-49AE-BFC8-FB35E95B8F74}" type="datetimeFigureOut">
               <a:rPr lang="en-US" smtClean="0"/>
-              <a:t>11/17/2024</a:t>
+              <a:t>11/22/2024</a:t>
             </a:fld>
             <a:endParaRPr lang="en-US"/>
           </a:p>
@@ -4441,7 +4441,7 @@
           <a:p>
             <a:fld id="{4DE3B8FE-1D2D-49AE-BFC8-FB35E95B8F74}" type="datetimeFigureOut">
               <a:rPr lang="en-US" smtClean="0"/>
-              <a:t>11/17/2024</a:t>
+              <a:t>11/22/2024</a:t>
             </a:fld>
             <a:endParaRPr lang="en-US"/>
           </a:p>
@@ -4732,7 +4732,7 @@
           <a:p>
             <a:fld id="{4DE3B8FE-1D2D-49AE-BFC8-FB35E95B8F74}" type="datetimeFigureOut">
               <a:rPr lang="en-US" smtClean="0"/>
-              <a:t>11/17/2024</a:t>
+              <a:t>11/22/2024</a:t>
             </a:fld>
             <a:endParaRPr lang="en-US"/>
           </a:p>
@@ -4963,7 +4963,7 @@
           <a:p>
             <a:fld id="{4DE3B8FE-1D2D-49AE-BFC8-FB35E95B8F74}" type="datetimeFigureOut">
               <a:rPr lang="en-US" smtClean="0"/>
-              <a:t>11/17/2024</a:t>
+              <a:t>11/22/2024</a:t>
             </a:fld>
             <a:endParaRPr lang="en-US"/>
           </a:p>
@@ -5834,11 +5834,11 @@
             </a:r>
             <a:r>
               <a:rPr lang="en-US" dirty="0"/>
-              <a:t>4</a:t>
+              <a:t>3</a:t>
             </a:r>
             <a:r>
               <a:rPr lang="hy-AM" dirty="0"/>
-              <a:t> Տողային տիպի տվյալներ և մեթհոդներ</a:t>
+              <a:t> Զանգվածներ եվ Մեթոդներ</a:t>
             </a:r>
             <a:endParaRPr lang="en-US" dirty="0"/>
           </a:p>
@@ -5892,33 +5892,45 @@
         </p:nvSpPr>
         <p:spPr>
           <a:xfrm>
-            <a:off x="243055" y="296779"/>
-            <a:ext cx="10649534" cy="980033"/>
+            <a:off x="243055" y="296780"/>
+            <a:ext cx="10649534" cy="573232"/>
           </a:xfrm>
         </p:spPr>
         <p:txBody>
-          <a:bodyPr/>
+          <a:bodyPr>
+            <a:normAutofit fontScale="90000"/>
+          </a:bodyPr>
           <a:lstStyle/>
           <a:p>
             <a:r>
-              <a:rPr lang="en-US" b="1" dirty="0" err="1">
+              <a:rPr lang="en-US" b="1" dirty="0">
                 <a:solidFill>
                   <a:schemeClr val="accent4">
                     <a:lumMod val="75000"/>
                   </a:schemeClr>
                 </a:solidFill>
               </a:rPr>
-              <a:t>padstart</a:t>
-            </a:r>
-            <a:r>
-              <a:rPr lang="en-US" b="1" dirty="0">
+              <a:t>.</a:t>
+            </a:r>
+            <a:r>
+              <a:rPr lang="en-US" b="1" dirty="0" err="1">
                 <a:solidFill>
                   <a:schemeClr val="accent4">
                     <a:lumMod val="75000"/>
                   </a:schemeClr>
                 </a:solidFill>
               </a:rPr>
-              <a:t>(), </a:t>
+              <a:t>padstart</a:t>
+            </a:r>
+            <a:r>
+              <a:rPr lang="en-US" b="1" dirty="0">
+                <a:solidFill>
+                  <a:schemeClr val="accent4">
+                    <a:lumMod val="75000"/>
+                  </a:schemeClr>
+                </a:solidFill>
+              </a:rPr>
+              <a:t>(), .</a:t>
             </a:r>
             <a:r>
               <a:rPr lang="en-US" b="1" dirty="0" err="1">
@@ -5948,7 +5960,7 @@
           <p:cNvPr id="7" name="Объект 6">
             <a:extLst>
               <a:ext uri="{FF2B5EF4-FFF2-40B4-BE49-F238E27FC236}">
-                <a16:creationId xmlns:a16="http://schemas.microsoft.com/office/drawing/2014/main" id="{59C22D20-DF6C-49CA-A6FE-40FF29EEFFDE}"/>
+                <a16:creationId xmlns:a16="http://schemas.microsoft.com/office/drawing/2014/main" id="{9E1E6642-7ADC-45D3-ADC8-09EB9A2C2087}"/>
               </a:ext>
             </a:extLst>
           </p:cNvPr>
@@ -5967,21 +5979,20 @@
               </a:ext>
             </a:extLst>
           </a:blip>
-          <a:stretch>
-            <a:fillRect/>
-          </a:stretch>
+          <a:srcRect/>
+          <a:stretch/>
         </p:blipFill>
         <p:spPr>
           <a:xfrm>
-            <a:off x="299330" y="1276813"/>
-            <a:ext cx="11593341" cy="5284408"/>
+            <a:off x="243056" y="870012"/>
+            <a:ext cx="11713155" cy="5761605"/>
           </a:xfrm>
         </p:spPr>
       </p:pic>
     </p:spTree>
     <p:extLst>
       <p:ext uri="{BB962C8B-B14F-4D97-AF65-F5344CB8AC3E}">
-        <p14:creationId xmlns:p14="http://schemas.microsoft.com/office/powerpoint/2010/main" val="2158114689"/>
+        <p14:creationId xmlns:p14="http://schemas.microsoft.com/office/powerpoint/2010/main" val="1998388480"/>
       </p:ext>
     </p:extLst>
   </p:cSld>
@@ -6026,12 +6037,14 @@
         </p:nvSpPr>
         <p:spPr>
           <a:xfrm>
-            <a:off x="243055" y="296779"/>
-            <a:ext cx="10649534" cy="1283368"/>
+            <a:off x="243055" y="296780"/>
+            <a:ext cx="10649534" cy="573232"/>
           </a:xfrm>
         </p:spPr>
         <p:txBody>
-          <a:bodyPr/>
+          <a:bodyPr>
+            <a:normAutofit fontScale="90000"/>
+          </a:bodyPr>
           <a:lstStyle/>
           <a:p>
             <a:r>
@@ -6042,7 +6055,7 @@
                   </a:schemeClr>
                 </a:solidFill>
               </a:rPr>
-              <a:t>Տողերի Երկարություն, </a:t>
+              <a:t>տողերի երկարություն, </a:t>
             </a:r>
             <a:r>
               <a:rPr lang="en-US" b="1" dirty="0" err="1">
@@ -6069,10 +6082,10 @@
       </p:sp>
       <p:pic>
         <p:nvPicPr>
-          <p:cNvPr id="15" name="Объект 14">
+          <p:cNvPr id="7" name="Объект 6">
             <a:extLst>
               <a:ext uri="{FF2B5EF4-FFF2-40B4-BE49-F238E27FC236}">
-                <a16:creationId xmlns:a16="http://schemas.microsoft.com/office/drawing/2014/main" id="{983D931C-9432-43D3-8E66-C1DA44B8CBA8}"/>
+                <a16:creationId xmlns:a16="http://schemas.microsoft.com/office/drawing/2014/main" id="{9E1E6642-7ADC-45D3-ADC8-09EB9A2C2087}"/>
               </a:ext>
             </a:extLst>
           </p:cNvPr>
@@ -6091,14 +6104,13 @@
               </a:ext>
             </a:extLst>
           </a:blip>
-          <a:stretch>
-            <a:fillRect/>
-          </a:stretch>
+          <a:srcRect/>
+          <a:stretch/>
         </p:blipFill>
         <p:spPr>
           <a:xfrm>
-            <a:off x="1499012" y="1276812"/>
-            <a:ext cx="9193976" cy="5363153"/>
+            <a:off x="243055" y="870012"/>
+            <a:ext cx="11713155" cy="5761605"/>
           </a:xfrm>
         </p:spPr>
       </p:pic>
@@ -6150,54 +6162,63 @@
         </p:nvSpPr>
         <p:spPr>
           <a:xfrm>
-            <a:off x="243055" y="296779"/>
-            <a:ext cx="10649534" cy="1283368"/>
+            <a:off x="243055" y="296780"/>
+            <a:ext cx="10649534" cy="573232"/>
           </a:xfrm>
         </p:spPr>
         <p:txBody>
-          <a:bodyPr/>
+          <a:bodyPr>
+            <a:normAutofit fontScale="90000"/>
+          </a:bodyPr>
           <a:lstStyle/>
           <a:p>
             <a:r>
-              <a:rPr lang="hy-AM" b="1" dirty="0">
+              <a:rPr lang="en-US" b="1" dirty="0">
                 <a:solidFill>
                   <a:schemeClr val="accent4">
                     <a:lumMod val="75000"/>
                   </a:schemeClr>
                 </a:solidFill>
               </a:rPr>
-              <a:t>Տողերի միավորում </a:t>
-            </a:r>
-            <a:r>
-              <a:rPr lang="en-US" b="1" dirty="0">
+              <a:t>.</a:t>
+            </a:r>
+            <a:r>
+              <a:rPr lang="en-US" b="1" dirty="0" err="1">
                 <a:solidFill>
                   <a:schemeClr val="accent4">
                     <a:lumMod val="75000"/>
                   </a:schemeClr>
                 </a:solidFill>
               </a:rPr>
-              <a:t>(</a:t>
-            </a:r>
-            <a:r>
-              <a:rPr lang="en-US" b="1" dirty="0" err="1">
+              <a:t>concat</a:t>
+            </a:r>
+            <a:r>
+              <a:rPr lang="en-US" b="1" dirty="0">
                 <a:solidFill>
                   <a:schemeClr val="accent4">
                     <a:lumMod val="75000"/>
                   </a:schemeClr>
                 </a:solidFill>
               </a:rPr>
-              <a:t>Concat</a:t>
-            </a:r>
-            <a:r>
-              <a:rPr lang="en-US" b="1" dirty="0">
+              <a:t>() </a:t>
+            </a:r>
+            <a:r>
+              <a:rPr lang="hy-AM" b="1" dirty="0">
                 <a:solidFill>
                   <a:schemeClr val="accent4">
                     <a:lumMod val="75000"/>
                   </a:schemeClr>
                 </a:solidFill>
               </a:rPr>
-              <a:t>())</a:t>
-            </a:r>
+              <a:t>տողերի միավորում</a:t>
+            </a:r>
+            <a:endParaRPr lang="en-US" b="1" dirty="0">
+              <a:solidFill>
+                <a:schemeClr val="accent4">
+                  <a:lumMod val="75000"/>
+                </a:schemeClr>
+              </a:solidFill>
+            </a:endParaRPr>
           </a:p>
         </p:txBody>
       </p:sp>
@@ -6206,7 +6227,7 @@
           <p:cNvPr id="7" name="Объект 6">
             <a:extLst>
               <a:ext uri="{FF2B5EF4-FFF2-40B4-BE49-F238E27FC236}">
-                <a16:creationId xmlns:a16="http://schemas.microsoft.com/office/drawing/2014/main" id="{40A9AEFA-EEDB-4094-960F-0F121B14242B}"/>
+                <a16:creationId xmlns:a16="http://schemas.microsoft.com/office/drawing/2014/main" id="{9E1E6642-7ADC-45D3-ADC8-09EB9A2C2087}"/>
               </a:ext>
             </a:extLst>
           </p:cNvPr>
@@ -6225,21 +6246,20 @@
               </a:ext>
             </a:extLst>
           </a:blip>
-          <a:stretch>
-            <a:fillRect/>
-          </a:stretch>
+          <a:srcRect/>
+          <a:stretch/>
         </p:blipFill>
         <p:spPr>
           <a:xfrm>
-            <a:off x="1626174" y="1548063"/>
-            <a:ext cx="8939652" cy="5030184"/>
+            <a:off x="243055" y="870012"/>
+            <a:ext cx="11713155" cy="5761605"/>
           </a:xfrm>
         </p:spPr>
       </p:pic>
     </p:spTree>
     <p:extLst>
       <p:ext uri="{BB962C8B-B14F-4D97-AF65-F5344CB8AC3E}">
-        <p14:creationId xmlns:p14="http://schemas.microsoft.com/office/powerpoint/2010/main" val="2435268867"/>
+        <p14:creationId xmlns:p14="http://schemas.microsoft.com/office/powerpoint/2010/main" val="4049362448"/>
       </p:ext>
     </p:extLst>
   </p:cSld>
@@ -6284,12 +6304,14 @@
         </p:nvSpPr>
         <p:spPr>
           <a:xfrm>
-            <a:off x="243055" y="296779"/>
-            <a:ext cx="10649534" cy="980033"/>
+            <a:off x="243055" y="296780"/>
+            <a:ext cx="10649534" cy="573232"/>
           </a:xfrm>
         </p:spPr>
         <p:txBody>
-          <a:bodyPr/>
+          <a:bodyPr>
+            <a:normAutofit fontScale="90000"/>
+          </a:bodyPr>
           <a:lstStyle/>
           <a:p>
             <a:r>
@@ -6300,7 +6322,7 @@
                   </a:schemeClr>
                 </a:solidFill>
               </a:rPr>
-              <a:t>includes(), </a:t>
+              <a:t>.includes(), .</a:t>
             </a:r>
             <a:r>
               <a:rPr lang="en-US" b="1" dirty="0" err="1">
@@ -6330,7 +6352,7 @@
           <p:cNvPr id="7" name="Объект 6">
             <a:extLst>
               <a:ext uri="{FF2B5EF4-FFF2-40B4-BE49-F238E27FC236}">
-                <a16:creationId xmlns:a16="http://schemas.microsoft.com/office/drawing/2014/main" id="{94CC0C1A-21C0-4EFE-907F-60402D0E0DAD}"/>
+                <a16:creationId xmlns:a16="http://schemas.microsoft.com/office/drawing/2014/main" id="{9E1E6642-7ADC-45D3-ADC8-09EB9A2C2087}"/>
               </a:ext>
             </a:extLst>
           </p:cNvPr>
@@ -6349,21 +6371,20 @@
               </a:ext>
             </a:extLst>
           </a:blip>
-          <a:stretch>
-            <a:fillRect/>
-          </a:stretch>
+          <a:srcRect/>
+          <a:stretch/>
         </p:blipFill>
         <p:spPr>
           <a:xfrm>
-            <a:off x="464305" y="1276813"/>
-            <a:ext cx="11263390" cy="5284408"/>
+            <a:off x="243055" y="870012"/>
+            <a:ext cx="11713155" cy="5761605"/>
           </a:xfrm>
         </p:spPr>
       </p:pic>
     </p:spTree>
     <p:extLst>
       <p:ext uri="{BB962C8B-B14F-4D97-AF65-F5344CB8AC3E}">
-        <p14:creationId xmlns:p14="http://schemas.microsoft.com/office/powerpoint/2010/main" val="2503121773"/>
+        <p14:creationId xmlns:p14="http://schemas.microsoft.com/office/powerpoint/2010/main" val="3707360657"/>
       </p:ext>
     </p:extLst>
   </p:cSld>
@@ -6408,12 +6429,14 @@
         </p:nvSpPr>
         <p:spPr>
           <a:xfrm>
-            <a:off x="243055" y="296779"/>
-            <a:ext cx="10649534" cy="1283368"/>
+            <a:off x="243055" y="296780"/>
+            <a:ext cx="10649534" cy="573232"/>
           </a:xfrm>
         </p:spPr>
         <p:txBody>
-          <a:bodyPr/>
+          <a:bodyPr>
+            <a:normAutofit fontScale="90000"/>
+          </a:bodyPr>
           <a:lstStyle/>
           <a:p>
             <a:r>
@@ -6424,7 +6447,7 @@
                   </a:schemeClr>
                 </a:solidFill>
               </a:rPr>
-              <a:t>slice()</a:t>
+              <a:t>.slice()</a:t>
             </a:r>
           </a:p>
         </p:txBody>
@@ -6434,7 +6457,7 @@
           <p:cNvPr id="7" name="Объект 6">
             <a:extLst>
               <a:ext uri="{FF2B5EF4-FFF2-40B4-BE49-F238E27FC236}">
-                <a16:creationId xmlns:a16="http://schemas.microsoft.com/office/drawing/2014/main" id="{D690F334-A928-4C85-9C90-D6E27C7D0F98}"/>
+                <a16:creationId xmlns:a16="http://schemas.microsoft.com/office/drawing/2014/main" id="{9E1E6642-7ADC-45D3-ADC8-09EB9A2C2087}"/>
               </a:ext>
             </a:extLst>
           </p:cNvPr>
@@ -6453,21 +6476,20 @@
               </a:ext>
             </a:extLst>
           </a:blip>
-          <a:stretch>
-            <a:fillRect/>
-          </a:stretch>
+          <a:srcRect/>
+          <a:stretch/>
         </p:blipFill>
         <p:spPr>
           <a:xfrm>
-            <a:off x="451868" y="1344227"/>
-            <a:ext cx="11288264" cy="5145349"/>
+            <a:off x="243055" y="870012"/>
+            <a:ext cx="11713155" cy="5761605"/>
           </a:xfrm>
         </p:spPr>
       </p:pic>
     </p:spTree>
     <p:extLst>
       <p:ext uri="{BB962C8B-B14F-4D97-AF65-F5344CB8AC3E}">
-        <p14:creationId xmlns:p14="http://schemas.microsoft.com/office/powerpoint/2010/main" val="2491740784"/>
+        <p14:creationId xmlns:p14="http://schemas.microsoft.com/office/powerpoint/2010/main" val="548837207"/>
       </p:ext>
     </p:extLst>
   </p:cSld>
@@ -6512,12 +6534,14 @@
         </p:nvSpPr>
         <p:spPr>
           <a:xfrm>
-            <a:off x="243055" y="296779"/>
-            <a:ext cx="10649534" cy="1283368"/>
+            <a:off x="243055" y="296780"/>
+            <a:ext cx="10649534" cy="573232"/>
           </a:xfrm>
         </p:spPr>
         <p:txBody>
-          <a:bodyPr/>
+          <a:bodyPr>
+            <a:normAutofit fontScale="90000"/>
+          </a:bodyPr>
           <a:lstStyle/>
           <a:p>
             <a:r>
@@ -6528,7 +6552,7 @@
                   </a:schemeClr>
                 </a:solidFill>
               </a:rPr>
-              <a:t>split()</a:t>
+              <a:t>.split()</a:t>
             </a:r>
           </a:p>
         </p:txBody>
@@ -6538,7 +6562,7 @@
           <p:cNvPr id="7" name="Объект 6">
             <a:extLst>
               <a:ext uri="{FF2B5EF4-FFF2-40B4-BE49-F238E27FC236}">
-                <a16:creationId xmlns:a16="http://schemas.microsoft.com/office/drawing/2014/main" id="{C4756BF9-C315-4315-A6FE-E6DEFAD2617B}"/>
+                <a16:creationId xmlns:a16="http://schemas.microsoft.com/office/drawing/2014/main" id="{9E1E6642-7ADC-45D3-ADC8-09EB9A2C2087}"/>
               </a:ext>
             </a:extLst>
           </p:cNvPr>
@@ -6557,21 +6581,20 @@
               </a:ext>
             </a:extLst>
           </a:blip>
-          <a:stretch>
-            <a:fillRect/>
-          </a:stretch>
+          <a:srcRect/>
+          <a:stretch/>
         </p:blipFill>
         <p:spPr>
           <a:xfrm>
-            <a:off x="367326" y="1427747"/>
-            <a:ext cx="11457349" cy="5222420"/>
+            <a:off x="243055" y="870012"/>
+            <a:ext cx="11713155" cy="5761605"/>
           </a:xfrm>
         </p:spPr>
       </p:pic>
     </p:spTree>
     <p:extLst>
       <p:ext uri="{BB962C8B-B14F-4D97-AF65-F5344CB8AC3E}">
-        <p14:creationId xmlns:p14="http://schemas.microsoft.com/office/powerpoint/2010/main" val="3439083748"/>
+        <p14:creationId xmlns:p14="http://schemas.microsoft.com/office/powerpoint/2010/main" val="3180156670"/>
       </p:ext>
     </p:extLst>
   </p:cSld>
@@ -6616,52 +6639,64 @@
         </p:nvSpPr>
         <p:spPr>
           <a:xfrm>
-            <a:off x="243055" y="296779"/>
-            <a:ext cx="10649534" cy="980033"/>
+            <a:off x="243055" y="296780"/>
+            <a:ext cx="10649534" cy="573232"/>
           </a:xfrm>
         </p:spPr>
         <p:txBody>
-          <a:bodyPr/>
+          <a:bodyPr>
+            <a:normAutofit fontScale="90000"/>
+          </a:bodyPr>
           <a:lstStyle/>
           <a:p>
             <a:r>
-              <a:rPr lang="en-US" b="1" dirty="0" err="1">
+              <a:rPr lang="en-US" b="1" dirty="0">
                 <a:solidFill>
                   <a:schemeClr val="accent4">
                     <a:lumMod val="75000"/>
                   </a:schemeClr>
                 </a:solidFill>
               </a:rPr>
-              <a:t>tolowercase</a:t>
-            </a:r>
-            <a:r>
-              <a:rPr lang="en-US" b="1" dirty="0">
+              <a:t>.</a:t>
+            </a:r>
+            <a:r>
+              <a:rPr lang="en-US" b="1" dirty="0" err="1">
                 <a:solidFill>
                   <a:schemeClr val="accent4">
                     <a:lumMod val="75000"/>
                   </a:schemeClr>
                 </a:solidFill>
               </a:rPr>
-              <a:t>(), </a:t>
-            </a:r>
-            <a:r>
-              <a:rPr lang="en-US" b="1" dirty="0" err="1">
+              <a:t>tolowercase</a:t>
+            </a:r>
+            <a:r>
+              <a:rPr lang="en-US" b="1" dirty="0">
                 <a:solidFill>
                   <a:schemeClr val="accent4">
                     <a:lumMod val="75000"/>
                   </a:schemeClr>
                 </a:solidFill>
               </a:rPr>
-              <a:t>touppercase</a:t>
-            </a:r>
-            <a:r>
-              <a:rPr lang="en-US" b="1" dirty="0">
+              <a:t>(), .</a:t>
+            </a:r>
+            <a:r>
+              <a:rPr lang="en-US" b="1" dirty="0" err="1">
                 <a:solidFill>
                   <a:schemeClr val="accent4">
                     <a:lumMod val="75000"/>
                   </a:schemeClr>
                 </a:solidFill>
               </a:rPr>
+              <a:t>touppercase</a:t>
+            </a:r>
+            <a:r>
+              <a:rPr lang="en-US" b="1" dirty="0">
+                <a:solidFill>
+                  <a:schemeClr val="accent4">
+                    <a:lumMod val="75000"/>
+                  </a:schemeClr>
+                </a:solidFill>
+              </a:rPr>
               <a:t>()</a:t>
             </a:r>
           </a:p>
@@ -6669,10 +6704,10 @@
       </p:sp>
       <p:pic>
         <p:nvPicPr>
-          <p:cNvPr id="6" name="Объект 5">
+          <p:cNvPr id="7" name="Объект 6">
             <a:extLst>
               <a:ext uri="{FF2B5EF4-FFF2-40B4-BE49-F238E27FC236}">
-                <a16:creationId xmlns:a16="http://schemas.microsoft.com/office/drawing/2014/main" id="{B0964438-B11C-478B-B734-70C97CC829CC}"/>
+                <a16:creationId xmlns:a16="http://schemas.microsoft.com/office/drawing/2014/main" id="{9E1E6642-7ADC-45D3-ADC8-09EB9A2C2087}"/>
               </a:ext>
             </a:extLst>
           </p:cNvPr>
@@ -6691,21 +6726,20 @@
               </a:ext>
             </a:extLst>
           </a:blip>
-          <a:stretch>
-            <a:fillRect/>
-          </a:stretch>
+          <a:srcRect/>
+          <a:stretch/>
         </p:blipFill>
         <p:spPr>
           <a:xfrm>
-            <a:off x="767185" y="1276811"/>
-            <a:ext cx="10657630" cy="5284409"/>
+            <a:off x="243055" y="870012"/>
+            <a:ext cx="11713155" cy="5761605"/>
           </a:xfrm>
         </p:spPr>
       </p:pic>
     </p:spTree>
     <p:extLst>
       <p:ext uri="{BB962C8B-B14F-4D97-AF65-F5344CB8AC3E}">
-        <p14:creationId xmlns:p14="http://schemas.microsoft.com/office/powerpoint/2010/main" val="56558023"/>
+        <p14:creationId xmlns:p14="http://schemas.microsoft.com/office/powerpoint/2010/main" val="3880829672"/>
       </p:ext>
     </p:extLst>
   </p:cSld>
@@ -6750,12 +6784,14 @@
         </p:nvSpPr>
         <p:spPr>
           <a:xfrm>
-            <a:off x="243055" y="296779"/>
-            <a:ext cx="10649534" cy="980033"/>
+            <a:off x="243055" y="296780"/>
+            <a:ext cx="10649534" cy="573232"/>
           </a:xfrm>
         </p:spPr>
         <p:txBody>
-          <a:bodyPr/>
+          <a:bodyPr>
+            <a:normAutofit fontScale="90000"/>
+          </a:bodyPr>
           <a:lstStyle/>
           <a:p>
             <a:r>
@@ -6766,7 +6802,7 @@
                   </a:schemeClr>
                 </a:solidFill>
               </a:rPr>
-              <a:t>replace(), </a:t>
+              <a:t>.replace(), .</a:t>
             </a:r>
             <a:r>
               <a:rPr lang="en-US" b="1" dirty="0" err="1">
@@ -6796,7 +6832,7 @@
           <p:cNvPr id="7" name="Объект 6">
             <a:extLst>
               <a:ext uri="{FF2B5EF4-FFF2-40B4-BE49-F238E27FC236}">
-                <a16:creationId xmlns:a16="http://schemas.microsoft.com/office/drawing/2014/main" id="{D523C4CF-DA7E-462E-88FC-0CF0DC557F52}"/>
+                <a16:creationId xmlns:a16="http://schemas.microsoft.com/office/drawing/2014/main" id="{9E1E6642-7ADC-45D3-ADC8-09EB9A2C2087}"/>
               </a:ext>
             </a:extLst>
           </p:cNvPr>
@@ -6815,21 +6851,20 @@
               </a:ext>
             </a:extLst>
           </a:blip>
-          <a:stretch>
-            <a:fillRect/>
-          </a:stretch>
+          <a:srcRect/>
+          <a:stretch/>
         </p:blipFill>
         <p:spPr>
           <a:xfrm>
-            <a:off x="458178" y="1421623"/>
-            <a:ext cx="11275645" cy="5139598"/>
+            <a:off x="243055" y="870012"/>
+            <a:ext cx="11713155" cy="5761605"/>
           </a:xfrm>
         </p:spPr>
       </p:pic>
     </p:spTree>
     <p:extLst>
       <p:ext uri="{BB962C8B-B14F-4D97-AF65-F5344CB8AC3E}">
-        <p14:creationId xmlns:p14="http://schemas.microsoft.com/office/powerpoint/2010/main" val="3161189655"/>
+        <p14:creationId xmlns:p14="http://schemas.microsoft.com/office/powerpoint/2010/main" val="2609869622"/>
       </p:ext>
     </p:extLst>
   </p:cSld>
@@ -6874,12 +6909,14 @@
         </p:nvSpPr>
         <p:spPr>
           <a:xfrm>
-            <a:off x="243055" y="296779"/>
-            <a:ext cx="10649534" cy="980033"/>
+            <a:off x="243055" y="296780"/>
+            <a:ext cx="10649534" cy="573232"/>
           </a:xfrm>
         </p:spPr>
         <p:txBody>
-          <a:bodyPr/>
+          <a:bodyPr>
+            <a:normAutofit fontScale="90000"/>
+          </a:bodyPr>
           <a:lstStyle/>
           <a:p>
             <a:r>
@@ -6890,17 +6927,17 @@
                   </a:schemeClr>
                 </a:solidFill>
               </a:rPr>
-              <a:t>trim()</a:t>
+              <a:t>.trim()</a:t>
             </a:r>
           </a:p>
         </p:txBody>
       </p:sp>
       <p:pic>
         <p:nvPicPr>
-          <p:cNvPr id="6" name="Объект 5">
+          <p:cNvPr id="7" name="Объект 6">
             <a:extLst>
               <a:ext uri="{FF2B5EF4-FFF2-40B4-BE49-F238E27FC236}">
-                <a16:creationId xmlns:a16="http://schemas.microsoft.com/office/drawing/2014/main" id="{ADC6376B-CD04-4FFE-9DD7-B1771B80CBF2}"/>
+                <a16:creationId xmlns:a16="http://schemas.microsoft.com/office/drawing/2014/main" id="{9E1E6642-7ADC-45D3-ADC8-09EB9A2C2087}"/>
               </a:ext>
             </a:extLst>
           </p:cNvPr>
@@ -6919,21 +6956,20 @@
               </a:ext>
             </a:extLst>
           </a:blip>
-          <a:stretch>
-            <a:fillRect/>
-          </a:stretch>
+          <a:srcRect/>
+          <a:stretch/>
         </p:blipFill>
         <p:spPr>
           <a:xfrm>
-            <a:off x="299330" y="1276813"/>
-            <a:ext cx="11593341" cy="5284408"/>
+            <a:off x="243056" y="870012"/>
+            <a:ext cx="11713155" cy="5761605"/>
           </a:xfrm>
         </p:spPr>
       </p:pic>
     </p:spTree>
     <p:extLst>
       <p:ext uri="{BB962C8B-B14F-4D97-AF65-F5344CB8AC3E}">
-        <p14:creationId xmlns:p14="http://schemas.microsoft.com/office/powerpoint/2010/main" val="2574837741"/>
+        <p14:creationId xmlns:p14="http://schemas.microsoft.com/office/powerpoint/2010/main" val="728532876"/>
       </p:ext>
     </p:extLst>
   </p:cSld>

--- a/JS/04. String and methods/JS_04.pptx
+++ b/JS/04. String and methods/JS_04.pptx
@@ -334,7 +334,7 @@
           <a:p>
             <a:fld id="{4DE3B8FE-1D2D-49AE-BFC8-FB35E95B8F74}" type="datetimeFigureOut">
               <a:rPr lang="en-US" smtClean="0"/>
-              <a:t>11/22/2024</a:t>
+              <a:t>11/29/2024</a:t>
             </a:fld>
             <a:endParaRPr lang="en-US"/>
           </a:p>
@@ -625,7 +625,7 @@
           <a:p>
             <a:fld id="{4DE3B8FE-1D2D-49AE-BFC8-FB35E95B8F74}" type="datetimeFigureOut">
               <a:rPr lang="en-US" smtClean="0"/>
-              <a:t>11/22/2024</a:t>
+              <a:t>11/29/2024</a:t>
             </a:fld>
             <a:endParaRPr lang="en-US"/>
           </a:p>
@@ -884,7 +884,7 @@
           <a:p>
             <a:fld id="{4DE3B8FE-1D2D-49AE-BFC8-FB35E95B8F74}" type="datetimeFigureOut">
               <a:rPr lang="en-US" smtClean="0"/>
-              <a:t>11/22/2024</a:t>
+              <a:t>11/29/2024</a:t>
             </a:fld>
             <a:endParaRPr lang="en-US"/>
           </a:p>
@@ -1353,7 +1353,7 @@
           <a:p>
             <a:fld id="{4DE3B8FE-1D2D-49AE-BFC8-FB35E95B8F74}" type="datetimeFigureOut">
               <a:rPr lang="en-US" smtClean="0"/>
-              <a:t>11/22/2024</a:t>
+              <a:t>11/29/2024</a:t>
             </a:fld>
             <a:endParaRPr lang="en-US"/>
           </a:p>
@@ -1533,7 +1533,7 @@
           <a:p>
             <a:fld id="{4DE3B8FE-1D2D-49AE-BFC8-FB35E95B8F74}" type="datetimeFigureOut">
               <a:rPr lang="en-US" smtClean="0"/>
-              <a:t>11/22/2024</a:t>
+              <a:t>11/29/2024</a:t>
             </a:fld>
             <a:endParaRPr lang="en-US"/>
           </a:p>
@@ -2109,7 +2109,7 @@
           <a:p>
             <a:fld id="{4DE3B8FE-1D2D-49AE-BFC8-FB35E95B8F74}" type="datetimeFigureOut">
               <a:rPr lang="en-US" smtClean="0"/>
-              <a:t>11/22/2024</a:t>
+              <a:t>11/29/2024</a:t>
             </a:fld>
             <a:endParaRPr lang="en-US"/>
           </a:p>
@@ -2441,7 +2441,7 @@
           <a:p>
             <a:fld id="{4DE3B8FE-1D2D-49AE-BFC8-FB35E95B8F74}" type="datetimeFigureOut">
               <a:rPr lang="en-US" smtClean="0"/>
-              <a:t>11/22/2024</a:t>
+              <a:t>11/29/2024</a:t>
             </a:fld>
             <a:endParaRPr lang="en-US"/>
           </a:p>
@@ -2616,7 +2616,7 @@
           <a:p>
             <a:fld id="{4DE3B8FE-1D2D-49AE-BFC8-FB35E95B8F74}" type="datetimeFigureOut">
               <a:rPr lang="en-US" smtClean="0"/>
-              <a:t>11/22/2024</a:t>
+              <a:t>11/29/2024</a:t>
             </a:fld>
             <a:endParaRPr lang="en-US"/>
           </a:p>
@@ -2796,7 +2796,7 @@
           <a:p>
             <a:fld id="{4DE3B8FE-1D2D-49AE-BFC8-FB35E95B8F74}" type="datetimeFigureOut">
               <a:rPr lang="en-US" smtClean="0"/>
-              <a:t>11/22/2024</a:t>
+              <a:t>11/29/2024</a:t>
             </a:fld>
             <a:endParaRPr lang="en-US"/>
           </a:p>
@@ -2966,7 +2966,7 @@
           <a:p>
             <a:fld id="{4DE3B8FE-1D2D-49AE-BFC8-FB35E95B8F74}" type="datetimeFigureOut">
               <a:rPr lang="en-US" smtClean="0"/>
-              <a:t>11/22/2024</a:t>
+              <a:t>11/29/2024</a:t>
             </a:fld>
             <a:endParaRPr lang="en-US"/>
           </a:p>
@@ -3223,7 +3223,7 @@
           <a:p>
             <a:fld id="{4DE3B8FE-1D2D-49AE-BFC8-FB35E95B8F74}" type="datetimeFigureOut">
               <a:rPr lang="en-US" smtClean="0"/>
-              <a:t>11/22/2024</a:t>
+              <a:t>11/29/2024</a:t>
             </a:fld>
             <a:endParaRPr lang="en-US"/>
           </a:p>
@@ -3515,7 +3515,7 @@
           <a:p>
             <a:fld id="{4DE3B8FE-1D2D-49AE-BFC8-FB35E95B8F74}" type="datetimeFigureOut">
               <a:rPr lang="en-US" smtClean="0"/>
-              <a:t>11/22/2024</a:t>
+              <a:t>11/29/2024</a:t>
             </a:fld>
             <a:endParaRPr lang="en-US"/>
           </a:p>
@@ -3945,7 +3945,7 @@
           <a:p>
             <a:fld id="{4DE3B8FE-1D2D-49AE-BFC8-FB35E95B8F74}" type="datetimeFigureOut">
               <a:rPr lang="en-US" smtClean="0"/>
-              <a:t>11/22/2024</a:t>
+              <a:t>11/29/2024</a:t>
             </a:fld>
             <a:endParaRPr lang="en-US"/>
           </a:p>
@@ -4063,7 +4063,7 @@
           <a:p>
             <a:fld id="{4DE3B8FE-1D2D-49AE-BFC8-FB35E95B8F74}" type="datetimeFigureOut">
               <a:rPr lang="en-US" smtClean="0"/>
-              <a:t>11/22/2024</a:t>
+              <a:t>11/29/2024</a:t>
             </a:fld>
             <a:endParaRPr lang="en-US"/>
           </a:p>
@@ -4158,7 +4158,7 @@
           <a:p>
             <a:fld id="{4DE3B8FE-1D2D-49AE-BFC8-FB35E95B8F74}" type="datetimeFigureOut">
               <a:rPr lang="en-US" smtClean="0"/>
-              <a:t>11/22/2024</a:t>
+              <a:t>11/29/2024</a:t>
             </a:fld>
             <a:endParaRPr lang="en-US"/>
           </a:p>
@@ -4441,7 +4441,7 @@
           <a:p>
             <a:fld id="{4DE3B8FE-1D2D-49AE-BFC8-FB35E95B8F74}" type="datetimeFigureOut">
               <a:rPr lang="en-US" smtClean="0"/>
-              <a:t>11/22/2024</a:t>
+              <a:t>11/29/2024</a:t>
             </a:fld>
             <a:endParaRPr lang="en-US"/>
           </a:p>
@@ -4732,7 +4732,7 @@
           <a:p>
             <a:fld id="{4DE3B8FE-1D2D-49AE-BFC8-FB35E95B8F74}" type="datetimeFigureOut">
               <a:rPr lang="en-US" smtClean="0"/>
-              <a:t>11/22/2024</a:t>
+              <a:t>11/29/2024</a:t>
             </a:fld>
             <a:endParaRPr lang="en-US"/>
           </a:p>
@@ -4963,7 +4963,7 @@
           <a:p>
             <a:fld id="{4DE3B8FE-1D2D-49AE-BFC8-FB35E95B8F74}" type="datetimeFigureOut">
               <a:rPr lang="en-US" smtClean="0"/>
-              <a:t>11/22/2024</a:t>
+              <a:t>11/29/2024</a:t>
             </a:fld>
             <a:endParaRPr lang="en-US"/>
           </a:p>
@@ -5834,11 +5834,15 @@
             </a:r>
             <a:r>
               <a:rPr lang="en-US" dirty="0"/>
-              <a:t>3</a:t>
+              <a:t>4</a:t>
+            </a:r>
+            <a:r>
+              <a:rPr lang="hy-AM"/>
+              <a:t> Տողեր </a:t>
             </a:r>
             <a:r>
               <a:rPr lang="hy-AM" dirty="0"/>
-              <a:t> Զանգվածներ եվ Մեթոդներ</a:t>
+              <a:t>եվ Մեթոդներ</a:t>
             </a:r>
             <a:endParaRPr lang="en-US" dirty="0"/>
           </a:p>
